--- a/Codes/Tesis/ModeloBase_PartialCoverage/Obj_Zs/InstanciasClase1.pptx
+++ b/Codes/Tesis/ModeloBase_PartialCoverage/Obj_Zs/InstanciasClase1.pptx
@@ -108,1501 +108,12 @@
       </a:defRPr>
     </a:lvl9pPr>
   </p:defaultTextStyle>
+  <p:extLst>
+    <p:ext uri="{EFAFB233-063F-42B5-8137-9DF3F51BA10A}">
+      <p15:sldGuideLst xmlns:p15="http://schemas.microsoft.com/office/powerpoint/2012/main"/>
+    </p:ext>
+  </p:extLst>
 </p:presentation>
-</file>
-
-<file path=ppt/charts/chart1.xml><?xml version="1.0" encoding="utf-8"?>
-<c:chartSpace xmlns:c="http://schemas.openxmlformats.org/drawingml/2006/chart" xmlns:a="http://schemas.openxmlformats.org/drawingml/2006/main" xmlns:r="http://schemas.openxmlformats.org/officeDocument/2006/relationships" xmlns:c16r2="http://schemas.microsoft.com/office/drawing/2015/06/chart">
-  <c:date1904 val="0"/>
-  <c:lang val="es-MX"/>
-  <c:roundedCorners val="0"/>
-  <mc:AlternateContent xmlns:mc="http://schemas.openxmlformats.org/markup-compatibility/2006">
-    <mc:Choice xmlns:c14="http://schemas.microsoft.com/office/drawing/2007/8/2/chart" Requires="c14">
-      <c14:style val="102"/>
-    </mc:Choice>
-    <mc:Fallback>
-      <c:style val="2"/>
-    </mc:Fallback>
-  </mc:AlternateContent>
-  <c:chart>
-    <c:title>
-      <c:tx>
-        <c:rich>
-          <a:bodyPr rot="0" spcFirstLastPara="1" vertOverflow="ellipsis" vert="horz" wrap="square" anchor="ctr" anchorCtr="1"/>
-          <a:lstStyle/>
-          <a:p>
-            <a:pPr>
-              <a:defRPr sz="1400" b="0" i="0" u="none" strike="noStrike" kern="1200" spc="0" baseline="0">
-                <a:solidFill>
-                  <a:schemeClr val="tx1">
-                    <a:lumMod val="65000"/>
-                    <a:lumOff val="35000"/>
-                  </a:schemeClr>
-                </a:solidFill>
-                <a:latin typeface="+mn-lt"/>
-                <a:ea typeface="+mn-ea"/>
-                <a:cs typeface="+mn-cs"/>
-              </a:defRPr>
-            </a:pPr>
-            <a:r>
-              <a:rPr lang="es-MX"/>
-              <a:t>Run time </a:t>
-            </a:r>
-          </a:p>
-        </c:rich>
-      </c:tx>
-      <c:overlay val="0"/>
-      <c:spPr>
-        <a:noFill/>
-        <a:ln>
-          <a:noFill/>
-        </a:ln>
-        <a:effectLst/>
-      </c:spPr>
-      <c:txPr>
-        <a:bodyPr rot="0" spcFirstLastPara="1" vertOverflow="ellipsis" vert="horz" wrap="square" anchor="ctr" anchorCtr="1"/>
-        <a:lstStyle/>
-        <a:p>
-          <a:pPr>
-            <a:defRPr sz="1400" b="0" i="0" u="none" strike="noStrike" kern="1200" spc="0" baseline="0">
-              <a:solidFill>
-                <a:schemeClr val="tx1">
-                  <a:lumMod val="65000"/>
-                  <a:lumOff val="35000"/>
-                </a:schemeClr>
-              </a:solidFill>
-              <a:latin typeface="+mn-lt"/>
-              <a:ea typeface="+mn-ea"/>
-              <a:cs typeface="+mn-cs"/>
-            </a:defRPr>
-          </a:pPr>
-          <a:endParaRPr lang="es-MX"/>
-        </a:p>
-      </c:txPr>
-    </c:title>
-    <c:autoTitleDeleted val="0"/>
-    <c:plotArea>
-      <c:layout/>
-      <c:lineChart>
-        <c:grouping val="standard"/>
-        <c:varyColors val="0"/>
-        <c:ser>
-          <c:idx val="0"/>
-          <c:order val="0"/>
-          <c:tx>
-            <c:v>10 escenarios</c:v>
-          </c:tx>
-          <c:spPr>
-            <a:ln w="28575" cap="rnd">
-              <a:solidFill>
-                <a:schemeClr val="accent1"/>
-              </a:solidFill>
-              <a:round/>
-            </a:ln>
-            <a:effectLst/>
-          </c:spPr>
-          <c:marker>
-            <c:symbol val="circle"/>
-            <c:size val="5"/>
-            <c:spPr>
-              <a:solidFill>
-                <a:schemeClr val="accent1"/>
-              </a:solidFill>
-              <a:ln w="9525">
-                <a:solidFill>
-                  <a:schemeClr val="accent1"/>
-                </a:solidFill>
-              </a:ln>
-              <a:effectLst/>
-            </c:spPr>
-          </c:marker>
-          <c:cat>
-            <c:strRef>
-              <c:f>Tesis_Obj_Zs_!$A$2:$A$26</c:f>
-              <c:strCache>
-                <c:ptCount val="25"/>
-                <c:pt idx="0">
-                  <c:v>Instance_168_16</c:v>
-                </c:pt>
-                <c:pt idx="1">
-                  <c:v>Instance_168_30</c:v>
-                </c:pt>
-                <c:pt idx="2">
-                  <c:v>Instance_168_50</c:v>
-                </c:pt>
-                <c:pt idx="3">
-                  <c:v>Instance_168_70</c:v>
-                </c:pt>
-                <c:pt idx="4">
-                  <c:v>Instance_168_100</c:v>
-                </c:pt>
-                <c:pt idx="5">
-                  <c:v>Instance_270_16</c:v>
-                </c:pt>
-                <c:pt idx="6">
-                  <c:v>Instance_270_30</c:v>
-                </c:pt>
-                <c:pt idx="7">
-                  <c:v>Instance_270_50</c:v>
-                </c:pt>
-                <c:pt idx="8">
-                  <c:v>Instance_270_70</c:v>
-                </c:pt>
-                <c:pt idx="9">
-                  <c:v>Instance_270_100</c:v>
-                </c:pt>
-                <c:pt idx="10">
-                  <c:v>Instance_500_16</c:v>
-                </c:pt>
-                <c:pt idx="11">
-                  <c:v>Instance_500_30</c:v>
-                </c:pt>
-                <c:pt idx="12">
-                  <c:v>Instance_500_50</c:v>
-                </c:pt>
-                <c:pt idx="13">
-                  <c:v>Instance_500_70</c:v>
-                </c:pt>
-                <c:pt idx="14">
-                  <c:v>Instance_500_100</c:v>
-                </c:pt>
-                <c:pt idx="15">
-                  <c:v>Instance_900_16</c:v>
-                </c:pt>
-                <c:pt idx="16">
-                  <c:v>Instance_900_30</c:v>
-                </c:pt>
-                <c:pt idx="17">
-                  <c:v>Instance_900_50</c:v>
-                </c:pt>
-                <c:pt idx="18">
-                  <c:v>Instance_900_70</c:v>
-                </c:pt>
-                <c:pt idx="19">
-                  <c:v>Instance_900_100</c:v>
-                </c:pt>
-                <c:pt idx="20">
-                  <c:v>Instance_1500_16</c:v>
-                </c:pt>
-                <c:pt idx="21">
-                  <c:v>Instance_1500_30</c:v>
-                </c:pt>
-                <c:pt idx="22">
-                  <c:v>Instance_1500_50</c:v>
-                </c:pt>
-                <c:pt idx="23">
-                  <c:v>Instance_1500_70</c:v>
-                </c:pt>
-                <c:pt idx="24">
-                  <c:v>Instance_1500_100</c:v>
-                </c:pt>
-              </c:strCache>
-            </c:strRef>
-          </c:cat>
-          <c:val>
-            <c:numRef>
-              <c:f>Tesis_Obj_Zs_!$E$2:$E$26</c:f>
-              <c:numCache>
-                <c:formatCode>General</c:formatCode>
-                <c:ptCount val="25"/>
-                <c:pt idx="0">
-                  <c:v>3.399014949798584</c:v>
-                </c:pt>
-                <c:pt idx="1">
-                  <c:v>4.2390892505645752</c:v>
-                </c:pt>
-                <c:pt idx="2">
-                  <c:v>12.953916072845459</c:v>
-                </c:pt>
-                <c:pt idx="3">
-                  <c:v>19.152196168899536</c:v>
-                </c:pt>
-                <c:pt idx="4">
-                  <c:v>32.083145141601562</c:v>
-                </c:pt>
-                <c:pt idx="5">
-                  <c:v>2.8189380168914795</c:v>
-                </c:pt>
-                <c:pt idx="6">
-                  <c:v>12.597111940383911</c:v>
-                </c:pt>
-                <c:pt idx="7">
-                  <c:v>11.569774150848389</c:v>
-                </c:pt>
-                <c:pt idx="8">
-                  <c:v>15.889811754226685</c:v>
-                </c:pt>
-                <c:pt idx="9">
-                  <c:v>31.040817975997925</c:v>
-                </c:pt>
-                <c:pt idx="10">
-                  <c:v>3.4324710369110107</c:v>
-                </c:pt>
-                <c:pt idx="11">
-                  <c:v>8.6736083030700684</c:v>
-                </c:pt>
-                <c:pt idx="12">
-                  <c:v>24.010031938552856</c:v>
-                </c:pt>
-                <c:pt idx="13">
-                  <c:v>25.28519606590271</c:v>
-                </c:pt>
-                <c:pt idx="14">
-                  <c:v>58.217856884002686</c:v>
-                </c:pt>
-                <c:pt idx="15">
-                  <c:v>10.293564081192017</c:v>
-                </c:pt>
-                <c:pt idx="16">
-                  <c:v>10.855859279632568</c:v>
-                </c:pt>
-                <c:pt idx="17">
-                  <c:v>23.957096815109253</c:v>
-                </c:pt>
-                <c:pt idx="18">
-                  <c:v>30.893824100494385</c:v>
-                </c:pt>
-                <c:pt idx="19">
-                  <c:v>68.16184401512146</c:v>
-                </c:pt>
-                <c:pt idx="20">
-                  <c:v>31.897029161453247</c:v>
-                </c:pt>
-                <c:pt idx="21">
-                  <c:v>17.300197124481201</c:v>
-                </c:pt>
-                <c:pt idx="22">
-                  <c:v>21.293006181716919</c:v>
-                </c:pt>
-                <c:pt idx="23">
-                  <c:v>39.844682931900024</c:v>
-                </c:pt>
-                <c:pt idx="24">
-                  <c:v>59.73051381111145</c:v>
-                </c:pt>
-              </c:numCache>
-            </c:numRef>
-          </c:val>
-          <c:smooth val="0"/>
-          <c:extLst>
-            <c:ext xmlns:c16="http://schemas.microsoft.com/office/drawing/2014/chart" uri="{C3380CC4-5D6E-409C-BE32-E72D297353CC}">
-              <c16:uniqueId val="{00000000-46DD-7049-80DC-8B6E2EED1761}"/>
-            </c:ext>
-          </c:extLst>
-        </c:ser>
-        <c:ser>
-          <c:idx val="1"/>
-          <c:order val="1"/>
-          <c:tx>
-            <c:v>50 escenarios</c:v>
-          </c:tx>
-          <c:spPr>
-            <a:ln w="28575" cap="rnd">
-              <a:solidFill>
-                <a:schemeClr val="accent2"/>
-              </a:solidFill>
-              <a:round/>
-            </a:ln>
-            <a:effectLst/>
-          </c:spPr>
-          <c:marker>
-            <c:symbol val="circle"/>
-            <c:size val="5"/>
-            <c:spPr>
-              <a:solidFill>
-                <a:schemeClr val="accent2"/>
-              </a:solidFill>
-              <a:ln w="9525">
-                <a:solidFill>
-                  <a:schemeClr val="accent2"/>
-                </a:solidFill>
-              </a:ln>
-              <a:effectLst/>
-            </c:spPr>
-          </c:marker>
-          <c:val>
-            <c:numRef>
-              <c:f>Tesis_Obj_Zs_!$E$27:$E$51</c:f>
-              <c:numCache>
-                <c:formatCode>General</c:formatCode>
-                <c:ptCount val="25"/>
-                <c:pt idx="0">
-                  <c:v>16.907956838607788</c:v>
-                </c:pt>
-                <c:pt idx="1">
-                  <c:v>53.72899603843689</c:v>
-                </c:pt>
-                <c:pt idx="2">
-                  <c:v>102.40378999710083</c:v>
-                </c:pt>
-                <c:pt idx="3">
-                  <c:v>279.33141303062439</c:v>
-                </c:pt>
-                <c:pt idx="4">
-                  <c:v>2282.1255538463593</c:v>
-                </c:pt>
-                <c:pt idx="5">
-                  <c:v>19.832635164260864</c:v>
-                </c:pt>
-                <c:pt idx="6">
-                  <c:v>40.483747005462646</c:v>
-                </c:pt>
-                <c:pt idx="7">
-                  <c:v>178.21889519691467</c:v>
-                </c:pt>
-                <c:pt idx="8">
-                  <c:v>197.48498797416687</c:v>
-                </c:pt>
-                <c:pt idx="9">
-                  <c:v>909.87025260925293</c:v>
-                </c:pt>
-                <c:pt idx="10">
-                  <c:v>23.542845010757446</c:v>
-                </c:pt>
-                <c:pt idx="11">
-                  <c:v>52.390849113464355</c:v>
-                </c:pt>
-                <c:pt idx="12">
-                  <c:v>104.32963895797729</c:v>
-                </c:pt>
-                <c:pt idx="13">
-                  <c:v>205.78133511543274</c:v>
-                </c:pt>
-                <c:pt idx="14">
-                  <c:v>444.91651892662048</c:v>
-                </c:pt>
-                <c:pt idx="15">
-                  <c:v>36.967758893966675</c:v>
-                </c:pt>
-                <c:pt idx="16">
-                  <c:v>60.452268123626709</c:v>
-                </c:pt>
-                <c:pt idx="17">
-                  <c:v>125.28450393676758</c:v>
-                </c:pt>
-                <c:pt idx="18">
-                  <c:v>251.22997975349426</c:v>
-                </c:pt>
-                <c:pt idx="19">
-                  <c:v>392.36428308486938</c:v>
-                </c:pt>
-                <c:pt idx="20">
-                  <c:v>40.418661832809448</c:v>
-                </c:pt>
-                <c:pt idx="21">
-                  <c:v>85.45816707611084</c:v>
-                </c:pt>
-                <c:pt idx="22">
-                  <c:v>149.67528986930847</c:v>
-                </c:pt>
-                <c:pt idx="23">
-                  <c:v>271.39060616493225</c:v>
-                </c:pt>
-                <c:pt idx="24">
-                  <c:v>439.5492570400238</c:v>
-                </c:pt>
-              </c:numCache>
-            </c:numRef>
-          </c:val>
-          <c:smooth val="0"/>
-          <c:extLst>
-            <c:ext xmlns:c16="http://schemas.microsoft.com/office/drawing/2014/chart" uri="{C3380CC4-5D6E-409C-BE32-E72D297353CC}">
-              <c16:uniqueId val="{00000001-46DD-7049-80DC-8B6E2EED1761}"/>
-            </c:ext>
-          </c:extLst>
-        </c:ser>
-        <c:ser>
-          <c:idx val="2"/>
-          <c:order val="2"/>
-          <c:tx>
-            <c:v>100 escenarios</c:v>
-          </c:tx>
-          <c:spPr>
-            <a:ln w="28575" cap="rnd">
-              <a:solidFill>
-                <a:schemeClr val="accent3"/>
-              </a:solidFill>
-              <a:round/>
-            </a:ln>
-            <a:effectLst/>
-          </c:spPr>
-          <c:marker>
-            <c:symbol val="circle"/>
-            <c:size val="5"/>
-            <c:spPr>
-              <a:solidFill>
-                <a:schemeClr val="accent3"/>
-              </a:solidFill>
-              <a:ln w="9525">
-                <a:solidFill>
-                  <a:schemeClr val="accent3"/>
-                </a:solidFill>
-              </a:ln>
-              <a:effectLst/>
-            </c:spPr>
-          </c:marker>
-          <c:val>
-            <c:numRef>
-              <c:f>Tesis_Obj_Zs_!$E$52:$E$76</c:f>
-              <c:numCache>
-                <c:formatCode>General</c:formatCode>
-                <c:ptCount val="25"/>
-                <c:pt idx="0">
-                  <c:v>42.937504053115845</c:v>
-                </c:pt>
-                <c:pt idx="1">
-                  <c:v>217.07378101348877</c:v>
-                </c:pt>
-                <c:pt idx="2">
-                  <c:v>726.23170781135559</c:v>
-                </c:pt>
-                <c:pt idx="3">
-                  <c:v>1280.2540080547333</c:v>
-                </c:pt>
-                <c:pt idx="4">
-                  <c:v>3529.4739570617676</c:v>
-                </c:pt>
-                <c:pt idx="5">
-                  <c:v>64.903634786605835</c:v>
-                </c:pt>
-                <c:pt idx="6">
-                  <c:v>141.54829430580139</c:v>
-                </c:pt>
-                <c:pt idx="7">
-                  <c:v>322.45506620407104</c:v>
-                </c:pt>
-                <c:pt idx="8">
-                  <c:v>2468.1715745925903</c:v>
-                </c:pt>
-                <c:pt idx="9">
-                  <c:v>4349.5409479141235</c:v>
-                </c:pt>
-                <c:pt idx="10">
-                  <c:v>50.307641744613647</c:v>
-                </c:pt>
-                <c:pt idx="11">
-                  <c:v>178.69030570983887</c:v>
-                </c:pt>
-                <c:pt idx="12">
-                  <c:v>325.96278715133667</c:v>
-                </c:pt>
-                <c:pt idx="13">
-                  <c:v>982.60352277755737</c:v>
-                </c:pt>
-                <c:pt idx="14">
-                  <c:v>2100.1846227645874</c:v>
-                </c:pt>
-                <c:pt idx="15">
-                  <c:v>66.742108106613159</c:v>
-                </c:pt>
-                <c:pt idx="16">
-                  <c:v>149.48612713813782</c:v>
-                </c:pt>
-                <c:pt idx="17">
-                  <c:v>346.10725808143616</c:v>
-                </c:pt>
-                <c:pt idx="18">
-                  <c:v>582.15124487876892</c:v>
-                </c:pt>
-                <c:pt idx="19">
-                  <c:v>1093.1931052207947</c:v>
-                </c:pt>
-                <c:pt idx="20">
-                  <c:v>79.586977958679199</c:v>
-                </c:pt>
-                <c:pt idx="21">
-                  <c:v>175.91315507888794</c:v>
-                </c:pt>
-                <c:pt idx="22">
-                  <c:v>358.63649678230286</c:v>
-                </c:pt>
-                <c:pt idx="23">
-                  <c:v>527.77684283256531</c:v>
-                </c:pt>
-                <c:pt idx="24">
-                  <c:v>1625.477648973465</c:v>
-                </c:pt>
-              </c:numCache>
-            </c:numRef>
-          </c:val>
-          <c:smooth val="0"/>
-          <c:extLst>
-            <c:ext xmlns:c16="http://schemas.microsoft.com/office/drawing/2014/chart" uri="{C3380CC4-5D6E-409C-BE32-E72D297353CC}">
-              <c16:uniqueId val="{00000002-46DD-7049-80DC-8B6E2EED1761}"/>
-            </c:ext>
-          </c:extLst>
-        </c:ser>
-        <c:ser>
-          <c:idx val="3"/>
-          <c:order val="3"/>
-          <c:tx>
-            <c:v>150 escenarios</c:v>
-          </c:tx>
-          <c:spPr>
-            <a:ln w="28575" cap="rnd">
-              <a:solidFill>
-                <a:schemeClr val="accent4"/>
-              </a:solidFill>
-              <a:round/>
-            </a:ln>
-            <a:effectLst/>
-          </c:spPr>
-          <c:marker>
-            <c:symbol val="circle"/>
-            <c:size val="5"/>
-            <c:spPr>
-              <a:solidFill>
-                <a:schemeClr val="accent4"/>
-              </a:solidFill>
-              <a:ln w="9525">
-                <a:solidFill>
-                  <a:schemeClr val="accent4"/>
-                </a:solidFill>
-              </a:ln>
-              <a:effectLst/>
-            </c:spPr>
-          </c:marker>
-          <c:val>
-            <c:numRef>
-              <c:f>Tesis_Obj_Zs_!$E$77:$E$100</c:f>
-              <c:numCache>
-                <c:formatCode>General</c:formatCode>
-                <c:ptCount val="24"/>
-                <c:pt idx="0">
-                  <c:v>83.313399791717529</c:v>
-                </c:pt>
-                <c:pt idx="1">
-                  <c:v>253.76342678070068</c:v>
-                </c:pt>
-                <c:pt idx="2">
-                  <c:v>750.22933411598206</c:v>
-                </c:pt>
-                <c:pt idx="3">
-                  <c:v>5550.5579841136932</c:v>
-                </c:pt>
-                <c:pt idx="4">
-                  <c:v>10641.871412992477</c:v>
-                </c:pt>
-                <c:pt idx="5">
-                  <c:v>77.434880971908569</c:v>
-                </c:pt>
-                <c:pt idx="6">
-                  <c:v>328.02998185157776</c:v>
-                </c:pt>
-                <c:pt idx="7">
-                  <c:v>927.93030023574829</c:v>
-                </c:pt>
-                <c:pt idx="8">
-                  <c:v>2841.1695718765259</c:v>
-                </c:pt>
-                <c:pt idx="9">
-                  <c:v>3859.623636007309</c:v>
-                </c:pt>
-                <c:pt idx="10">
-                  <c:v>143.72540903091431</c:v>
-                </c:pt>
-                <c:pt idx="11">
-                  <c:v>291.9304370880127</c:v>
-                </c:pt>
-                <c:pt idx="12">
-                  <c:v>575.18888807296753</c:v>
-                </c:pt>
-                <c:pt idx="13">
-                  <c:v>940.56954407691956</c:v>
-                </c:pt>
-                <c:pt idx="14">
-                  <c:v>4742.1455738544464</c:v>
-                </c:pt>
-                <c:pt idx="15">
-                  <c:v>109.75060606002808</c:v>
-                </c:pt>
-                <c:pt idx="16">
-                  <c:v>332.49959802627563</c:v>
-                </c:pt>
-                <c:pt idx="17">
-                  <c:v>641.68888711929321</c:v>
-                </c:pt>
-                <c:pt idx="18">
-                  <c:v>978.88408899307251</c:v>
-                </c:pt>
-                <c:pt idx="19">
-                  <c:v>2846.2557990550995</c:v>
-                </c:pt>
-                <c:pt idx="20">
-                  <c:v>131.67587089538574</c:v>
-                </c:pt>
-                <c:pt idx="21">
-                  <c:v>322.93833994865417</c:v>
-                </c:pt>
-                <c:pt idx="22">
-                  <c:v>716.98100876808167</c:v>
-                </c:pt>
-                <c:pt idx="23">
-                  <c:v>1304.1496410369873</c:v>
-                </c:pt>
-              </c:numCache>
-            </c:numRef>
-          </c:val>
-          <c:smooth val="0"/>
-          <c:extLst>
-            <c:ext xmlns:c16="http://schemas.microsoft.com/office/drawing/2014/chart" uri="{C3380CC4-5D6E-409C-BE32-E72D297353CC}">
-              <c16:uniqueId val="{00000003-46DD-7049-80DC-8B6E2EED1761}"/>
-            </c:ext>
-          </c:extLst>
-        </c:ser>
-        <c:ser>
-          <c:idx val="4"/>
-          <c:order val="4"/>
-          <c:tx>
-            <c:v>200 escenarios</c:v>
-          </c:tx>
-          <c:spPr>
-            <a:ln w="28575" cap="rnd">
-              <a:solidFill>
-                <a:schemeClr val="accent5"/>
-              </a:solidFill>
-              <a:round/>
-            </a:ln>
-            <a:effectLst/>
-          </c:spPr>
-          <c:marker>
-            <c:symbol val="circle"/>
-            <c:size val="5"/>
-            <c:spPr>
-              <a:solidFill>
-                <a:schemeClr val="accent5"/>
-              </a:solidFill>
-              <a:ln w="9525">
-                <a:solidFill>
-                  <a:schemeClr val="accent5"/>
-                </a:solidFill>
-              </a:ln>
-              <a:effectLst/>
-            </c:spPr>
-          </c:marker>
-          <c:val>
-            <c:numRef>
-              <c:f>Tesis_Obj_Zs_!$E$101:$E$124</c:f>
-              <c:numCache>
-                <c:formatCode>General</c:formatCode>
-                <c:ptCount val="24"/>
-                <c:pt idx="0">
-                  <c:v>144.31218886375427</c:v>
-                </c:pt>
-                <c:pt idx="1">
-                  <c:v>349.10038018226624</c:v>
-                </c:pt>
-                <c:pt idx="2">
-                  <c:v>1876.3783268928528</c:v>
-                </c:pt>
-                <c:pt idx="3">
-                  <c:v>3940.6327469348907</c:v>
-                </c:pt>
-                <c:pt idx="4">
-                  <c:v>13465.487661838531</c:v>
-                </c:pt>
-                <c:pt idx="5">
-                  <c:v>152.07778811454773</c:v>
-                </c:pt>
-                <c:pt idx="6">
-                  <c:v>395.88373398780823</c:v>
-                </c:pt>
-                <c:pt idx="7">
-                  <c:v>3458.8577661514282</c:v>
-                </c:pt>
-                <c:pt idx="8">
-                  <c:v>1897.8608798980713</c:v>
-                </c:pt>
-                <c:pt idx="9">
-                  <c:v>6660.5725629329681</c:v>
-                </c:pt>
-                <c:pt idx="10">
-                  <c:v>178.79441404342651</c:v>
-                </c:pt>
-                <c:pt idx="11">
-                  <c:v>382.48296713829041</c:v>
-                </c:pt>
-                <c:pt idx="12">
-                  <c:v>1462.5088052749634</c:v>
-                </c:pt>
-                <c:pt idx="13">
-                  <c:v>3027.272479057312</c:v>
-                </c:pt>
-                <c:pt idx="14">
-                  <c:v>9618.0088498592377</c:v>
-                </c:pt>
-                <c:pt idx="15">
-                  <c:v>229.40105199813843</c:v>
-                </c:pt>
-                <c:pt idx="16">
-                  <c:v>439.75285506248474</c:v>
-                </c:pt>
-                <c:pt idx="17">
-                  <c:v>1054.1810998916626</c:v>
-                </c:pt>
-                <c:pt idx="18">
-                  <c:v>2459.598738193512</c:v>
-                </c:pt>
-                <c:pt idx="19">
-                  <c:v>10506.892167806625</c:v>
-                </c:pt>
-                <c:pt idx="20">
-                  <c:v>181.14725780487061</c:v>
-                </c:pt>
-                <c:pt idx="21">
-                  <c:v>500.16242599487305</c:v>
-                </c:pt>
-                <c:pt idx="22">
-                  <c:v>1011.5710988044739</c:v>
-                </c:pt>
-                <c:pt idx="23">
-                  <c:v>2718.5433819293976</c:v>
-                </c:pt>
-              </c:numCache>
-            </c:numRef>
-          </c:val>
-          <c:smooth val="0"/>
-          <c:extLst>
-            <c:ext xmlns:c16="http://schemas.microsoft.com/office/drawing/2014/chart" uri="{C3380CC4-5D6E-409C-BE32-E72D297353CC}">
-              <c16:uniqueId val="{00000004-46DD-7049-80DC-8B6E2EED1761}"/>
-            </c:ext>
-          </c:extLst>
-        </c:ser>
-        <c:dLbls>
-          <c:showLegendKey val="0"/>
-          <c:showVal val="0"/>
-          <c:showCatName val="0"/>
-          <c:showSerName val="0"/>
-          <c:showPercent val="0"/>
-          <c:showBubbleSize val="0"/>
-        </c:dLbls>
-        <c:marker val="1"/>
-        <c:smooth val="0"/>
-        <c:axId val="2116534559"/>
-        <c:axId val="2117007039"/>
-      </c:lineChart>
-      <c:catAx>
-        <c:axId val="2116534559"/>
-        <c:scaling>
-          <c:orientation val="minMax"/>
-        </c:scaling>
-        <c:delete val="0"/>
-        <c:axPos val="b"/>
-        <c:numFmt formatCode="General" sourceLinked="0"/>
-        <c:majorTickMark val="none"/>
-        <c:minorTickMark val="none"/>
-        <c:tickLblPos val="nextTo"/>
-        <c:spPr>
-          <a:noFill/>
-          <a:ln w="9525" cap="flat" cmpd="sng" algn="ctr">
-            <a:solidFill>
-              <a:schemeClr val="tx1">
-                <a:lumMod val="15000"/>
-                <a:lumOff val="85000"/>
-              </a:schemeClr>
-            </a:solidFill>
-            <a:round/>
-          </a:ln>
-          <a:effectLst/>
-        </c:spPr>
-        <c:txPr>
-          <a:bodyPr rot="-60000000" spcFirstLastPara="1" vertOverflow="ellipsis" vert="horz" wrap="square" anchor="ctr" anchorCtr="1"/>
-          <a:lstStyle/>
-          <a:p>
-            <a:pPr>
-              <a:defRPr sz="900" b="0" i="0" u="none" strike="noStrike" kern="1200" baseline="0">
-                <a:solidFill>
-                  <a:schemeClr val="tx1">
-                    <a:lumMod val="65000"/>
-                    <a:lumOff val="35000"/>
-                  </a:schemeClr>
-                </a:solidFill>
-                <a:latin typeface="+mn-lt"/>
-                <a:ea typeface="+mn-ea"/>
-                <a:cs typeface="+mn-cs"/>
-              </a:defRPr>
-            </a:pPr>
-            <a:endParaRPr lang="es-MX"/>
-          </a:p>
-        </c:txPr>
-        <c:crossAx val="2117007039"/>
-        <c:crosses val="autoZero"/>
-        <c:auto val="1"/>
-        <c:lblAlgn val="ctr"/>
-        <c:lblOffset val="100"/>
-        <c:tickLblSkip val="1"/>
-        <c:noMultiLvlLbl val="0"/>
-      </c:catAx>
-      <c:valAx>
-        <c:axId val="2117007039"/>
-        <c:scaling>
-          <c:orientation val="minMax"/>
-        </c:scaling>
-        <c:delete val="0"/>
-        <c:axPos val="l"/>
-        <c:majorGridlines>
-          <c:spPr>
-            <a:ln w="9525" cap="flat" cmpd="sng" algn="ctr">
-              <a:solidFill>
-                <a:schemeClr val="tx1">
-                  <a:lumMod val="15000"/>
-                  <a:lumOff val="85000"/>
-                </a:schemeClr>
-              </a:solidFill>
-              <a:round/>
-            </a:ln>
-            <a:effectLst/>
-          </c:spPr>
-        </c:majorGridlines>
-        <c:numFmt formatCode="General" sourceLinked="1"/>
-        <c:majorTickMark val="none"/>
-        <c:minorTickMark val="none"/>
-        <c:tickLblPos val="nextTo"/>
-        <c:spPr>
-          <a:noFill/>
-          <a:ln>
-            <a:noFill/>
-          </a:ln>
-          <a:effectLst/>
-        </c:spPr>
-        <c:txPr>
-          <a:bodyPr rot="-60000000" spcFirstLastPara="1" vertOverflow="ellipsis" vert="horz" wrap="square" anchor="ctr" anchorCtr="1"/>
-          <a:lstStyle/>
-          <a:p>
-            <a:pPr>
-              <a:defRPr sz="900" b="0" i="0" u="none" strike="noStrike" kern="1200" baseline="0">
-                <a:solidFill>
-                  <a:schemeClr val="tx1">
-                    <a:lumMod val="65000"/>
-                    <a:lumOff val="35000"/>
-                  </a:schemeClr>
-                </a:solidFill>
-                <a:latin typeface="+mn-lt"/>
-                <a:ea typeface="+mn-ea"/>
-                <a:cs typeface="+mn-cs"/>
-              </a:defRPr>
-            </a:pPr>
-            <a:endParaRPr lang="es-MX"/>
-          </a:p>
-        </c:txPr>
-        <c:crossAx val="2116534559"/>
-        <c:crosses val="autoZero"/>
-        <c:crossBetween val="between"/>
-      </c:valAx>
-      <c:spPr>
-        <a:noFill/>
-        <a:ln>
-          <a:noFill/>
-        </a:ln>
-        <a:effectLst/>
-      </c:spPr>
-    </c:plotArea>
-    <c:legend>
-      <c:legendPos val="r"/>
-      <c:overlay val="0"/>
-      <c:spPr>
-        <a:noFill/>
-        <a:ln>
-          <a:noFill/>
-        </a:ln>
-        <a:effectLst/>
-      </c:spPr>
-      <c:txPr>
-        <a:bodyPr rot="0" spcFirstLastPara="1" vertOverflow="ellipsis" vert="horz" wrap="square" anchor="ctr" anchorCtr="1"/>
-        <a:lstStyle/>
-        <a:p>
-          <a:pPr>
-            <a:defRPr sz="900" b="0" i="0" u="none" strike="noStrike" kern="1200" baseline="0">
-              <a:solidFill>
-                <a:schemeClr val="tx1">
-                  <a:lumMod val="65000"/>
-                  <a:lumOff val="35000"/>
-                </a:schemeClr>
-              </a:solidFill>
-              <a:latin typeface="+mn-lt"/>
-              <a:ea typeface="+mn-ea"/>
-              <a:cs typeface="+mn-cs"/>
-            </a:defRPr>
-          </a:pPr>
-          <a:endParaRPr lang="es-MX"/>
-        </a:p>
-      </c:txPr>
-    </c:legend>
-    <c:plotVisOnly val="1"/>
-    <c:dispBlanksAs val="gap"/>
-    <c:extLst>
-      <c:ext xmlns:c16r3="http://schemas.microsoft.com/office/drawing/2017/03/chart" uri="{56B9EC1D-385E-4148-901F-78D8002777C0}">
-        <c16r3:dataDisplayOptions16>
-          <c16r3:dispNaAsBlank val="1"/>
-        </c16r3:dataDisplayOptions16>
-      </c:ext>
-    </c:extLst>
-    <c:showDLblsOverMax val="0"/>
-  </c:chart>
-  <c:spPr>
-    <a:noFill/>
-    <a:ln>
-      <a:noFill/>
-    </a:ln>
-    <a:effectLst/>
-  </c:spPr>
-  <c:txPr>
-    <a:bodyPr/>
-    <a:lstStyle/>
-    <a:p>
-      <a:pPr>
-        <a:defRPr/>
-      </a:pPr>
-      <a:endParaRPr lang="es-MX"/>
-    </a:p>
-  </c:txPr>
-  <c:externalData r:id="rId3">
-    <c:autoUpdate val="0"/>
-  </c:externalData>
-</c:chartSpace>
-</file>
-
-<file path=ppt/charts/colors1.xml><?xml version="1.0" encoding="utf-8"?>
-<cs:colorStyle xmlns:cs="http://schemas.microsoft.com/office/drawing/2012/chartStyle" xmlns:a="http://schemas.openxmlformats.org/drawingml/2006/main" meth="cycle" id="10">
-  <a:schemeClr val="accent1"/>
-  <a:schemeClr val="accent2"/>
-  <a:schemeClr val="accent3"/>
-  <a:schemeClr val="accent4"/>
-  <a:schemeClr val="accent5"/>
-  <a:schemeClr val="accent6"/>
-  <cs:variation/>
-  <cs:variation>
-    <a:lumMod val="60000"/>
-  </cs:variation>
-  <cs:variation>
-    <a:lumMod val="80000"/>
-    <a:lumOff val="20000"/>
-  </cs:variation>
-  <cs:variation>
-    <a:lumMod val="80000"/>
-  </cs:variation>
-  <cs:variation>
-    <a:lumMod val="60000"/>
-    <a:lumOff val="40000"/>
-  </cs:variation>
-  <cs:variation>
-    <a:lumMod val="50000"/>
-  </cs:variation>
-  <cs:variation>
-    <a:lumMod val="70000"/>
-    <a:lumOff val="30000"/>
-  </cs:variation>
-  <cs:variation>
-    <a:lumMod val="70000"/>
-  </cs:variation>
-  <cs:variation>
-    <a:lumMod val="50000"/>
-    <a:lumOff val="50000"/>
-  </cs:variation>
-</cs:colorStyle>
-</file>
-
-<file path=ppt/charts/style1.xml><?xml version="1.0" encoding="utf-8"?>
-<cs:chartStyle xmlns:cs="http://schemas.microsoft.com/office/drawing/2012/chartStyle" xmlns:a="http://schemas.openxmlformats.org/drawingml/2006/main" id="332">
-  <cs:axisTitle>
-    <cs:lnRef idx="0"/>
-    <cs:fillRef idx="0"/>
-    <cs:effectRef idx="0"/>
-    <cs:fontRef idx="minor">
-      <a:schemeClr val="tx1">
-        <a:lumMod val="65000"/>
-        <a:lumOff val="35000"/>
-      </a:schemeClr>
-    </cs:fontRef>
-    <cs:defRPr sz="1000" kern="1200"/>
-  </cs:axisTitle>
-  <cs:categoryAxis>
-    <cs:lnRef idx="0"/>
-    <cs:fillRef idx="0"/>
-    <cs:effectRef idx="0"/>
-    <cs:fontRef idx="minor">
-      <a:schemeClr val="tx1">
-        <a:lumMod val="65000"/>
-        <a:lumOff val="35000"/>
-      </a:schemeClr>
-    </cs:fontRef>
-    <cs:spPr>
-      <a:ln w="9525" cap="flat" cmpd="sng" algn="ctr">
-        <a:solidFill>
-          <a:schemeClr val="tx1">
-            <a:lumMod val="15000"/>
-            <a:lumOff val="85000"/>
-          </a:schemeClr>
-        </a:solidFill>
-        <a:round/>
-      </a:ln>
-    </cs:spPr>
-    <cs:defRPr sz="900" kern="1200"/>
-  </cs:categoryAxis>
-  <cs:chartArea mods="allowNoFillOverride allowNoLineOverride">
-    <cs:lnRef idx="0"/>
-    <cs:fillRef idx="0"/>
-    <cs:effectRef idx="0"/>
-    <cs:fontRef idx="minor">
-      <a:schemeClr val="tx1"/>
-    </cs:fontRef>
-    <cs:spPr>
-      <a:solidFill>
-        <a:schemeClr val="bg1"/>
-      </a:solidFill>
-      <a:ln w="9525" cap="flat" cmpd="sng" algn="ctr">
-        <a:solidFill>
-          <a:schemeClr val="tx1">
-            <a:lumMod val="15000"/>
-            <a:lumOff val="85000"/>
-          </a:schemeClr>
-        </a:solidFill>
-        <a:round/>
-      </a:ln>
-    </cs:spPr>
-    <cs:defRPr sz="1000" kern="1200"/>
-  </cs:chartArea>
-  <cs:dataLabel>
-    <cs:lnRef idx="0"/>
-    <cs:fillRef idx="0"/>
-    <cs:effectRef idx="0"/>
-    <cs:fontRef idx="minor">
-      <a:schemeClr val="tx1">
-        <a:lumMod val="75000"/>
-        <a:lumOff val="25000"/>
-      </a:schemeClr>
-    </cs:fontRef>
-    <cs:defRPr sz="900" kern="1200"/>
-  </cs:dataLabel>
-  <cs:dataLabelCallout>
-    <cs:lnRef idx="0"/>
-    <cs:fillRef idx="0"/>
-    <cs:effectRef idx="0"/>
-    <cs:fontRef idx="minor">
-      <a:schemeClr val="dk1">
-        <a:lumMod val="65000"/>
-        <a:lumOff val="35000"/>
-      </a:schemeClr>
-    </cs:fontRef>
-    <cs:spPr>
-      <a:solidFill>
-        <a:schemeClr val="lt1"/>
-      </a:solidFill>
-      <a:ln>
-        <a:solidFill>
-          <a:schemeClr val="dk1">
-            <a:lumMod val="25000"/>
-            <a:lumOff val="75000"/>
-          </a:schemeClr>
-        </a:solidFill>
-      </a:ln>
-    </cs:spPr>
-    <cs:defRPr sz="900" kern="1200"/>
-    <cs:bodyPr rot="0" spcFirstLastPara="1" vertOverflow="clip" horzOverflow="clip" vert="horz" wrap="square" lIns="36576" tIns="18288" rIns="36576" bIns="18288" anchor="ctr" anchorCtr="1">
-      <a:spAutoFit/>
-    </cs:bodyPr>
-  </cs:dataLabelCallout>
-  <cs:dataPoint>
-    <cs:lnRef idx="0"/>
-    <cs:fillRef idx="1">
-      <cs:styleClr val="auto"/>
-    </cs:fillRef>
-    <cs:effectRef idx="0"/>
-    <cs:fontRef idx="minor">
-      <a:schemeClr val="tx1"/>
-    </cs:fontRef>
-  </cs:dataPoint>
-  <cs:dataPoint3D>
-    <cs:lnRef idx="0"/>
-    <cs:fillRef idx="1">
-      <cs:styleClr val="auto"/>
-    </cs:fillRef>
-    <cs:effectRef idx="0"/>
-    <cs:fontRef idx="minor">
-      <a:schemeClr val="tx1"/>
-    </cs:fontRef>
-  </cs:dataPoint3D>
-  <cs:dataPointLine>
-    <cs:lnRef idx="0">
-      <cs:styleClr val="auto"/>
-    </cs:lnRef>
-    <cs:fillRef idx="1"/>
-    <cs:effectRef idx="0"/>
-    <cs:fontRef idx="minor">
-      <a:schemeClr val="tx1"/>
-    </cs:fontRef>
-    <cs:spPr>
-      <a:ln w="28575" cap="rnd">
-        <a:solidFill>
-          <a:schemeClr val="phClr"/>
-        </a:solidFill>
-        <a:round/>
-      </a:ln>
-    </cs:spPr>
-  </cs:dataPointLine>
-  <cs:dataPointMarker>
-    <cs:lnRef idx="0">
-      <cs:styleClr val="auto"/>
-    </cs:lnRef>
-    <cs:fillRef idx="1">
-      <cs:styleClr val="auto"/>
-    </cs:fillRef>
-    <cs:effectRef idx="0"/>
-    <cs:fontRef idx="minor">
-      <a:schemeClr val="tx1"/>
-    </cs:fontRef>
-    <cs:spPr>
-      <a:ln w="9525">
-        <a:solidFill>
-          <a:schemeClr val="phClr"/>
-        </a:solidFill>
-      </a:ln>
-    </cs:spPr>
-  </cs:dataPointMarker>
-  <cs:dataPointMarkerLayout symbol="circle" size="5"/>
-  <cs:dataPointWireframe>
-    <cs:lnRef idx="0">
-      <cs:styleClr val="auto"/>
-    </cs:lnRef>
-    <cs:fillRef idx="1"/>
-    <cs:effectRef idx="0"/>
-    <cs:fontRef idx="minor">
-      <a:schemeClr val="tx1"/>
-    </cs:fontRef>
-    <cs:spPr>
-      <a:ln w="9525" cap="rnd">
-        <a:solidFill>
-          <a:schemeClr val="phClr"/>
-        </a:solidFill>
-        <a:round/>
-      </a:ln>
-    </cs:spPr>
-  </cs:dataPointWireframe>
-  <cs:dataTable>
-    <cs:lnRef idx="0"/>
-    <cs:fillRef idx="0"/>
-    <cs:effectRef idx="0"/>
-    <cs:fontRef idx="minor">
-      <a:schemeClr val="tx1">
-        <a:lumMod val="65000"/>
-        <a:lumOff val="35000"/>
-      </a:schemeClr>
-    </cs:fontRef>
-    <cs:spPr>
-      <a:noFill/>
-      <a:ln w="9525" cap="flat" cmpd="sng" algn="ctr">
-        <a:solidFill>
-          <a:schemeClr val="tx1">
-            <a:lumMod val="15000"/>
-            <a:lumOff val="85000"/>
-          </a:schemeClr>
-        </a:solidFill>
-        <a:round/>
-      </a:ln>
-    </cs:spPr>
-    <cs:defRPr sz="900" kern="1200"/>
-  </cs:dataTable>
-  <cs:downBar>
-    <cs:lnRef idx="0"/>
-    <cs:fillRef idx="0"/>
-    <cs:effectRef idx="0"/>
-    <cs:fontRef idx="minor">
-      <a:schemeClr val="dk1"/>
-    </cs:fontRef>
-    <cs:spPr>
-      <a:solidFill>
-        <a:schemeClr val="dk1">
-          <a:lumMod val="65000"/>
-          <a:lumOff val="35000"/>
-        </a:schemeClr>
-      </a:solidFill>
-      <a:ln w="9525">
-        <a:solidFill>
-          <a:schemeClr val="tx1">
-            <a:lumMod val="65000"/>
-            <a:lumOff val="35000"/>
-          </a:schemeClr>
-        </a:solidFill>
-      </a:ln>
-    </cs:spPr>
-  </cs:downBar>
-  <cs:dropLine>
-    <cs:lnRef idx="0"/>
-    <cs:fillRef idx="0"/>
-    <cs:effectRef idx="0"/>
-    <cs:fontRef idx="minor">
-      <a:schemeClr val="tx1"/>
-    </cs:fontRef>
-    <cs:spPr>
-      <a:ln w="9525" cap="flat" cmpd="sng" algn="ctr">
-        <a:solidFill>
-          <a:schemeClr val="tx1">
-            <a:lumMod val="35000"/>
-            <a:lumOff val="65000"/>
-          </a:schemeClr>
-        </a:solidFill>
-        <a:round/>
-      </a:ln>
-    </cs:spPr>
-  </cs:dropLine>
-  <cs:errorBar>
-    <cs:lnRef idx="0"/>
-    <cs:fillRef idx="0"/>
-    <cs:effectRef idx="0"/>
-    <cs:fontRef idx="minor">
-      <a:schemeClr val="tx1"/>
-    </cs:fontRef>
-    <cs:spPr>
-      <a:ln w="9525" cap="flat" cmpd="sng" algn="ctr">
-        <a:solidFill>
-          <a:schemeClr val="tx1">
-            <a:lumMod val="65000"/>
-            <a:lumOff val="35000"/>
-          </a:schemeClr>
-        </a:solidFill>
-        <a:round/>
-      </a:ln>
-    </cs:spPr>
-  </cs:errorBar>
-  <cs:floor>
-    <cs:lnRef idx="0"/>
-    <cs:fillRef idx="0"/>
-    <cs:effectRef idx="0"/>
-    <cs:fontRef idx="minor">
-      <a:schemeClr val="tx1"/>
-    </cs:fontRef>
-    <cs:spPr>
-      <a:noFill/>
-      <a:ln>
-        <a:noFill/>
-      </a:ln>
-    </cs:spPr>
-  </cs:floor>
-  <cs:gridlineMajor>
-    <cs:lnRef idx="0"/>
-    <cs:fillRef idx="0"/>
-    <cs:effectRef idx="0"/>
-    <cs:fontRef idx="minor">
-      <a:schemeClr val="tx1"/>
-    </cs:fontRef>
-    <cs:spPr>
-      <a:ln w="9525" cap="flat" cmpd="sng" algn="ctr">
-        <a:solidFill>
-          <a:schemeClr val="tx1">
-            <a:lumMod val="15000"/>
-            <a:lumOff val="85000"/>
-          </a:schemeClr>
-        </a:solidFill>
-        <a:round/>
-      </a:ln>
-    </cs:spPr>
-  </cs:gridlineMajor>
-  <cs:gridlineMinor>
-    <cs:lnRef idx="0"/>
-    <cs:fillRef idx="0"/>
-    <cs:effectRef idx="0"/>
-    <cs:fontRef idx="minor">
-      <a:schemeClr val="tx1"/>
-    </cs:fontRef>
-    <cs:spPr>
-      <a:ln w="9525" cap="flat" cmpd="sng" algn="ctr">
-        <a:solidFill>
-          <a:schemeClr val="tx1">
-            <a:lumMod val="5000"/>
-            <a:lumOff val="95000"/>
-          </a:schemeClr>
-        </a:solidFill>
-        <a:round/>
-      </a:ln>
-    </cs:spPr>
-  </cs:gridlineMinor>
-  <cs:hiLoLine>
-    <cs:lnRef idx="0"/>
-    <cs:fillRef idx="0"/>
-    <cs:effectRef idx="0"/>
-    <cs:fontRef idx="minor">
-      <a:schemeClr val="tx1"/>
-    </cs:fontRef>
-    <cs:spPr>
-      <a:ln w="9525" cap="flat" cmpd="sng" algn="ctr">
-        <a:solidFill>
-          <a:schemeClr val="tx1">
-            <a:lumMod val="75000"/>
-            <a:lumOff val="25000"/>
-          </a:schemeClr>
-        </a:solidFill>
-        <a:round/>
-      </a:ln>
-    </cs:spPr>
-  </cs:hiLoLine>
-  <cs:leaderLine>
-    <cs:lnRef idx="0"/>
-    <cs:fillRef idx="0"/>
-    <cs:effectRef idx="0"/>
-    <cs:fontRef idx="minor">
-      <a:schemeClr val="tx1"/>
-    </cs:fontRef>
-    <cs:spPr>
-      <a:ln w="9525" cap="flat" cmpd="sng" algn="ctr">
-        <a:solidFill>
-          <a:schemeClr val="tx1">
-            <a:lumMod val="35000"/>
-            <a:lumOff val="65000"/>
-          </a:schemeClr>
-        </a:solidFill>
-        <a:round/>
-      </a:ln>
-    </cs:spPr>
-  </cs:leaderLine>
-  <cs:legend>
-    <cs:lnRef idx="0"/>
-    <cs:fillRef idx="0"/>
-    <cs:effectRef idx="0"/>
-    <cs:fontRef idx="minor">
-      <a:schemeClr val="tx1">
-        <a:lumMod val="65000"/>
-        <a:lumOff val="35000"/>
-      </a:schemeClr>
-    </cs:fontRef>
-    <cs:defRPr sz="900" kern="1200"/>
-  </cs:legend>
-  <cs:plotArea mods="allowNoFillOverride allowNoLineOverride">
-    <cs:lnRef idx="0"/>
-    <cs:fillRef idx="0"/>
-    <cs:effectRef idx="0"/>
-    <cs:fontRef idx="minor">
-      <a:schemeClr val="tx1"/>
-    </cs:fontRef>
-  </cs:plotArea>
-  <cs:plotArea3D mods="allowNoFillOverride allowNoLineOverride">
-    <cs:lnRef idx="0"/>
-    <cs:fillRef idx="0"/>
-    <cs:effectRef idx="0"/>
-    <cs:fontRef idx="minor">
-      <a:schemeClr val="tx1"/>
-    </cs:fontRef>
-  </cs:plotArea3D>
-  <cs:seriesAxis>
-    <cs:lnRef idx="0"/>
-    <cs:fillRef idx="0"/>
-    <cs:effectRef idx="0"/>
-    <cs:fontRef idx="minor">
-      <a:schemeClr val="tx1">
-        <a:lumMod val="65000"/>
-        <a:lumOff val="35000"/>
-      </a:schemeClr>
-    </cs:fontRef>
-    <cs:defRPr sz="900" kern="1200"/>
-  </cs:seriesAxis>
-  <cs:seriesLine>
-    <cs:lnRef idx="0"/>
-    <cs:fillRef idx="0"/>
-    <cs:effectRef idx="0"/>
-    <cs:fontRef idx="minor">
-      <a:schemeClr val="tx1"/>
-    </cs:fontRef>
-    <cs:spPr>
-      <a:ln w="9525" cap="flat" cmpd="sng" algn="ctr">
-        <a:solidFill>
-          <a:schemeClr val="tx1">
-            <a:lumMod val="35000"/>
-            <a:lumOff val="65000"/>
-          </a:schemeClr>
-        </a:solidFill>
-        <a:round/>
-      </a:ln>
-    </cs:spPr>
-  </cs:seriesLine>
-  <cs:title>
-    <cs:lnRef idx="0"/>
-    <cs:fillRef idx="0"/>
-    <cs:effectRef idx="0"/>
-    <cs:fontRef idx="minor">
-      <a:schemeClr val="tx1">
-        <a:lumMod val="65000"/>
-        <a:lumOff val="35000"/>
-      </a:schemeClr>
-    </cs:fontRef>
-    <cs:defRPr sz="1400" b="0" kern="1200" spc="0" baseline="0"/>
-  </cs:title>
-  <cs:trendline>
-    <cs:lnRef idx="0">
-      <cs:styleClr val="auto"/>
-    </cs:lnRef>
-    <cs:fillRef idx="0"/>
-    <cs:effectRef idx="0"/>
-    <cs:fontRef idx="minor">
-      <a:schemeClr val="tx1"/>
-    </cs:fontRef>
-    <cs:spPr>
-      <a:ln w="19050" cap="rnd">
-        <a:solidFill>
-          <a:schemeClr val="phClr"/>
-        </a:solidFill>
-        <a:prstDash val="sysDot"/>
-      </a:ln>
-    </cs:spPr>
-  </cs:trendline>
-  <cs:trendlineLabel>
-    <cs:lnRef idx="0"/>
-    <cs:fillRef idx="0"/>
-    <cs:effectRef idx="0"/>
-    <cs:fontRef idx="minor">
-      <a:schemeClr val="tx1">
-        <a:lumMod val="65000"/>
-        <a:lumOff val="35000"/>
-      </a:schemeClr>
-    </cs:fontRef>
-    <cs:defRPr sz="900" kern="1200"/>
-  </cs:trendlineLabel>
-  <cs:upBar>
-    <cs:lnRef idx="0"/>
-    <cs:fillRef idx="0"/>
-    <cs:effectRef idx="0"/>
-    <cs:fontRef idx="minor">
-      <a:schemeClr val="dk1"/>
-    </cs:fontRef>
-    <cs:spPr>
-      <a:solidFill>
-        <a:schemeClr val="lt1"/>
-      </a:solidFill>
-      <a:ln w="9525">
-        <a:solidFill>
-          <a:schemeClr val="tx1">
-            <a:lumMod val="15000"/>
-            <a:lumOff val="85000"/>
-          </a:schemeClr>
-        </a:solidFill>
-      </a:ln>
-    </cs:spPr>
-  </cs:upBar>
-  <cs:valueAxis>
-    <cs:lnRef idx="0"/>
-    <cs:fillRef idx="0"/>
-    <cs:effectRef idx="0"/>
-    <cs:fontRef idx="minor">
-      <a:schemeClr val="tx1">
-        <a:lumMod val="65000"/>
-        <a:lumOff val="35000"/>
-      </a:schemeClr>
-    </cs:fontRef>
-    <cs:defRPr sz="900" kern="1200"/>
-  </cs:valueAxis>
-  <cs:wall>
-    <cs:lnRef idx="0"/>
-    <cs:fillRef idx="0"/>
-    <cs:effectRef idx="0"/>
-    <cs:fontRef idx="minor">
-      <a:schemeClr val="tx1"/>
-    </cs:fontRef>
-    <cs:spPr>
-      <a:noFill/>
-      <a:ln>
-        <a:noFill/>
-      </a:ln>
-    </cs:spPr>
-  </cs:wall>
-</cs:chartStyle>
 </file>
 
 <file path=ppt/slideLayouts/slideLayout1.xml><?xml version="1.0" encoding="utf-8"?>
@@ -1752,7 +263,7 @@
           <a:p>
             <a:fld id="{991B41ED-294D-C14D-ADE9-7EC2D9600538}" type="datetimeFigureOut">
               <a:rPr lang="es-MX" smtClean="0"/>
-              <a:t>04/09/23</a:t>
+              <a:t>05/09/2023</a:t>
             </a:fld>
             <a:endParaRPr lang="es-MX"/>
           </a:p>
@@ -1806,7 +317,7 @@
           <a:p>
             <a:fld id="{3AEE51BD-7473-514B-B650-C669FC7E6EE5}" type="slidenum">
               <a:rPr lang="es-MX" smtClean="0"/>
-              <a:t>‹Nº›</a:t>
+              <a:t>‹#›</a:t>
             </a:fld>
             <a:endParaRPr lang="es-MX"/>
           </a:p>
@@ -1950,7 +461,7 @@
           <a:p>
             <a:fld id="{991B41ED-294D-C14D-ADE9-7EC2D9600538}" type="datetimeFigureOut">
               <a:rPr lang="es-MX" smtClean="0"/>
-              <a:t>04/09/23</a:t>
+              <a:t>05/09/2023</a:t>
             </a:fld>
             <a:endParaRPr lang="es-MX"/>
           </a:p>
@@ -2004,7 +515,7 @@
           <a:p>
             <a:fld id="{3AEE51BD-7473-514B-B650-C669FC7E6EE5}" type="slidenum">
               <a:rPr lang="es-MX" smtClean="0"/>
-              <a:t>‹Nº›</a:t>
+              <a:t>‹#›</a:t>
             </a:fld>
             <a:endParaRPr lang="es-MX"/>
           </a:p>
@@ -2158,7 +669,7 @@
           <a:p>
             <a:fld id="{991B41ED-294D-C14D-ADE9-7EC2D9600538}" type="datetimeFigureOut">
               <a:rPr lang="es-MX" smtClean="0"/>
-              <a:t>04/09/23</a:t>
+              <a:t>05/09/2023</a:t>
             </a:fld>
             <a:endParaRPr lang="es-MX"/>
           </a:p>
@@ -2212,7 +723,7 @@
           <a:p>
             <a:fld id="{3AEE51BD-7473-514B-B650-C669FC7E6EE5}" type="slidenum">
               <a:rPr lang="es-MX" smtClean="0"/>
-              <a:t>‹Nº›</a:t>
+              <a:t>‹#›</a:t>
             </a:fld>
             <a:endParaRPr lang="es-MX"/>
           </a:p>
@@ -2356,7 +867,7 @@
           <a:p>
             <a:fld id="{991B41ED-294D-C14D-ADE9-7EC2D9600538}" type="datetimeFigureOut">
               <a:rPr lang="es-MX" smtClean="0"/>
-              <a:t>04/09/23</a:t>
+              <a:t>05/09/2023</a:t>
             </a:fld>
             <a:endParaRPr lang="es-MX"/>
           </a:p>
@@ -2410,7 +921,7 @@
           <a:p>
             <a:fld id="{3AEE51BD-7473-514B-B650-C669FC7E6EE5}" type="slidenum">
               <a:rPr lang="es-MX" smtClean="0"/>
-              <a:t>‹Nº›</a:t>
+              <a:t>‹#›</a:t>
             </a:fld>
             <a:endParaRPr lang="es-MX"/>
           </a:p>
@@ -2631,7 +1142,7 @@
           <a:p>
             <a:fld id="{991B41ED-294D-C14D-ADE9-7EC2D9600538}" type="datetimeFigureOut">
               <a:rPr lang="es-MX" smtClean="0"/>
-              <a:t>04/09/23</a:t>
+              <a:t>05/09/2023</a:t>
             </a:fld>
             <a:endParaRPr lang="es-MX"/>
           </a:p>
@@ -2685,7 +1196,7 @@
           <a:p>
             <a:fld id="{3AEE51BD-7473-514B-B650-C669FC7E6EE5}" type="slidenum">
               <a:rPr lang="es-MX" smtClean="0"/>
-              <a:t>‹Nº›</a:t>
+              <a:t>‹#›</a:t>
             </a:fld>
             <a:endParaRPr lang="es-MX"/>
           </a:p>
@@ -2896,7 +1407,7 @@
           <a:p>
             <a:fld id="{991B41ED-294D-C14D-ADE9-7EC2D9600538}" type="datetimeFigureOut">
               <a:rPr lang="es-MX" smtClean="0"/>
-              <a:t>04/09/23</a:t>
+              <a:t>05/09/2023</a:t>
             </a:fld>
             <a:endParaRPr lang="es-MX"/>
           </a:p>
@@ -2950,7 +1461,7 @@
           <a:p>
             <a:fld id="{3AEE51BD-7473-514B-B650-C669FC7E6EE5}" type="slidenum">
               <a:rPr lang="es-MX" smtClean="0"/>
-              <a:t>‹Nº›</a:t>
+              <a:t>‹#›</a:t>
             </a:fld>
             <a:endParaRPr lang="es-MX"/>
           </a:p>
@@ -3308,7 +1819,7 @@
           <a:p>
             <a:fld id="{991B41ED-294D-C14D-ADE9-7EC2D9600538}" type="datetimeFigureOut">
               <a:rPr lang="es-MX" smtClean="0"/>
-              <a:t>04/09/23</a:t>
+              <a:t>05/09/2023</a:t>
             </a:fld>
             <a:endParaRPr lang="es-MX"/>
           </a:p>
@@ -3362,7 +1873,7 @@
           <a:p>
             <a:fld id="{3AEE51BD-7473-514B-B650-C669FC7E6EE5}" type="slidenum">
               <a:rPr lang="es-MX" smtClean="0"/>
-              <a:t>‹Nº›</a:t>
+              <a:t>‹#›</a:t>
             </a:fld>
             <a:endParaRPr lang="es-MX"/>
           </a:p>
@@ -3449,7 +1960,7 @@
           <a:p>
             <a:fld id="{991B41ED-294D-C14D-ADE9-7EC2D9600538}" type="datetimeFigureOut">
               <a:rPr lang="es-MX" smtClean="0"/>
-              <a:t>04/09/23</a:t>
+              <a:t>05/09/2023</a:t>
             </a:fld>
             <a:endParaRPr lang="es-MX"/>
           </a:p>
@@ -3503,7 +2014,7 @@
           <a:p>
             <a:fld id="{3AEE51BD-7473-514B-B650-C669FC7E6EE5}" type="slidenum">
               <a:rPr lang="es-MX" smtClean="0"/>
-              <a:t>‹Nº›</a:t>
+              <a:t>‹#›</a:t>
             </a:fld>
             <a:endParaRPr lang="es-MX"/>
           </a:p>
@@ -3562,7 +2073,7 @@
           <a:p>
             <a:fld id="{991B41ED-294D-C14D-ADE9-7EC2D9600538}" type="datetimeFigureOut">
               <a:rPr lang="es-MX" smtClean="0"/>
-              <a:t>04/09/23</a:t>
+              <a:t>05/09/2023</a:t>
             </a:fld>
             <a:endParaRPr lang="es-MX"/>
           </a:p>
@@ -3616,7 +2127,7 @@
           <a:p>
             <a:fld id="{3AEE51BD-7473-514B-B650-C669FC7E6EE5}" type="slidenum">
               <a:rPr lang="es-MX" smtClean="0"/>
-              <a:t>‹Nº›</a:t>
+              <a:t>‹#›</a:t>
             </a:fld>
             <a:endParaRPr lang="es-MX"/>
           </a:p>
@@ -3873,7 +2384,7 @@
           <a:p>
             <a:fld id="{991B41ED-294D-C14D-ADE9-7EC2D9600538}" type="datetimeFigureOut">
               <a:rPr lang="es-MX" smtClean="0"/>
-              <a:t>04/09/23</a:t>
+              <a:t>05/09/2023</a:t>
             </a:fld>
             <a:endParaRPr lang="es-MX"/>
           </a:p>
@@ -3927,7 +2438,7 @@
           <a:p>
             <a:fld id="{3AEE51BD-7473-514B-B650-C669FC7E6EE5}" type="slidenum">
               <a:rPr lang="es-MX" smtClean="0"/>
-              <a:t>‹Nº›</a:t>
+              <a:t>‹#›</a:t>
             </a:fld>
             <a:endParaRPr lang="es-MX"/>
           </a:p>
@@ -4161,7 +2672,7 @@
           <a:p>
             <a:fld id="{991B41ED-294D-C14D-ADE9-7EC2D9600538}" type="datetimeFigureOut">
               <a:rPr lang="es-MX" smtClean="0"/>
-              <a:t>04/09/23</a:t>
+              <a:t>05/09/2023</a:t>
             </a:fld>
             <a:endParaRPr lang="es-MX"/>
           </a:p>
@@ -4215,7 +2726,7 @@
           <a:p>
             <a:fld id="{3AEE51BD-7473-514B-B650-C669FC7E6EE5}" type="slidenum">
               <a:rPr lang="es-MX" smtClean="0"/>
-              <a:t>‹Nº›</a:t>
+              <a:t>‹#›</a:t>
             </a:fld>
             <a:endParaRPr lang="es-MX"/>
           </a:p>
@@ -4402,7 +2913,7 @@
           <a:p>
             <a:fld id="{991B41ED-294D-C14D-ADE9-7EC2D9600538}" type="datetimeFigureOut">
               <a:rPr lang="es-MX" smtClean="0"/>
-              <a:t>04/09/23</a:t>
+              <a:t>05/09/2023</a:t>
             </a:fld>
             <a:endParaRPr lang="es-MX"/>
           </a:p>
@@ -4492,7 +3003,7 @@
           <a:p>
             <a:fld id="{3AEE51BD-7473-514B-B650-C669FC7E6EE5}" type="slidenum">
               <a:rPr lang="es-MX" smtClean="0"/>
-              <a:t>‹Nº›</a:t>
+              <a:t>‹#›</a:t>
             </a:fld>
             <a:endParaRPr lang="es-MX"/>
           </a:p>
@@ -4819,36 +3330,36 @@
           <a:chExt cx="0" cy="0"/>
         </a:xfrm>
       </p:grpSpPr>
-      <p:graphicFrame>
-        <p:nvGraphicFramePr>
-          <p:cNvPr id="4" name="Gráfico 3">
-            <a:extLst>
-              <a:ext uri="{FF2B5EF4-FFF2-40B4-BE49-F238E27FC236}">
-                <a16:creationId xmlns:a16="http://schemas.microsoft.com/office/drawing/2014/main" id="{FFA08021-EC8B-780E-A415-2ED11B00A587}"/>
-              </a:ext>
-            </a:extLst>
-          </p:cNvPr>
-          <p:cNvGraphicFramePr>
-            <a:graphicFrameLocks/>
-          </p:cNvGraphicFramePr>
-          <p:nvPr>
-            <p:extLst>
-              <p:ext uri="{D42A27DB-BD31-4B8C-83A1-F6EECF244321}">
-                <p14:modId xmlns:p14="http://schemas.microsoft.com/office/powerpoint/2010/main" val="3023018958"/>
-              </p:ext>
-            </p:extLst>
-          </p:nvPr>
-        </p:nvGraphicFramePr>
-        <p:xfrm>
-          <a:off x="1138341" y="141171"/>
-          <a:ext cx="10205162" cy="6469694"/>
-        </p:xfrm>
-        <a:graphic>
-          <a:graphicData uri="http://schemas.openxmlformats.org/drawingml/2006/chart">
-            <c:chart xmlns:c="http://schemas.openxmlformats.org/drawingml/2006/chart" xmlns:r="http://schemas.openxmlformats.org/officeDocument/2006/relationships" r:id="rId2"/>
-          </a:graphicData>
-        </a:graphic>
-      </p:graphicFrame>
+      <p:pic>
+        <p:nvPicPr>
+          <p:cNvPr id="6" name="Picture 5" descr="A graph of lines with different colored lines&#10;&#10;Description automatically generated with medium confidence">
+            <a:extLst>
+              <a:ext uri="{FF2B5EF4-FFF2-40B4-BE49-F238E27FC236}">
+                <a16:creationId xmlns:a16="http://schemas.microsoft.com/office/drawing/2014/main" id="{26360328-A928-863F-5CAB-0B07B50B1895}"/>
+              </a:ext>
+            </a:extLst>
+          </p:cNvPr>
+          <p:cNvPicPr>
+            <a:picLocks noChangeAspect="1"/>
+          </p:cNvPicPr>
+          <p:nvPr/>
+        </p:nvPicPr>
+        <p:blipFill>
+          <a:blip r:embed="rId2"/>
+          <a:stretch>
+            <a:fillRect/>
+          </a:stretch>
+        </p:blipFill>
+        <p:spPr>
+          <a:xfrm>
+            <a:off x="126199" y="240839"/>
+            <a:ext cx="11915984" cy="6345941"/>
+          </a:xfrm>
+          <a:prstGeom prst="rect">
+            <a:avLst/>
+          </a:prstGeom>
+        </p:spPr>
+      </p:pic>
     </p:spTree>
     <p:extLst>
       <p:ext uri="{BB962C8B-B14F-4D97-AF65-F5344CB8AC3E}">
@@ -4879,6 +3390,36 @@
           <a:chExt cx="0" cy="0"/>
         </a:xfrm>
       </p:grpSpPr>
+      <p:pic>
+        <p:nvPicPr>
+          <p:cNvPr id="3" name="Picture 2" descr="A graph with colorful lines and numbers&#10;&#10;Description automatically generated">
+            <a:extLst>
+              <a:ext uri="{FF2B5EF4-FFF2-40B4-BE49-F238E27FC236}">
+                <a16:creationId xmlns:a16="http://schemas.microsoft.com/office/drawing/2014/main" id="{006FE111-B058-6098-D7CA-B67FC38EC777}"/>
+              </a:ext>
+            </a:extLst>
+          </p:cNvPr>
+          <p:cNvPicPr>
+            <a:picLocks noChangeAspect="1"/>
+          </p:cNvPicPr>
+          <p:nvPr/>
+        </p:nvPicPr>
+        <p:blipFill>
+          <a:blip r:embed="rId2"/>
+          <a:stretch>
+            <a:fillRect/>
+          </a:stretch>
+        </p:blipFill>
+        <p:spPr>
+          <a:xfrm>
+            <a:off x="123135" y="127843"/>
+            <a:ext cx="11826058" cy="6594120"/>
+          </a:xfrm>
+          <a:prstGeom prst="rect">
+            <a:avLst/>
+          </a:prstGeom>
+        </p:spPr>
+      </p:pic>
     </p:spTree>
     <p:extLst>
       <p:ext uri="{BB962C8B-B14F-4D97-AF65-F5344CB8AC3E}">

--- a/Codes/Tesis/ModeloBase_PartialCoverage/Obj_Zs/InstanciasClase1.pptx
+++ b/Codes/Tesis/ModeloBase_PartialCoverage/Obj_Zs/InstanciasClase1.pptx
@@ -3450,6 +3450,35 @@
           <a:chExt cx="0" cy="0"/>
         </a:xfrm>
       </p:grpSpPr>
+      <p:pic>
+        <p:nvPicPr>
+          <p:cNvPr id="3" name="Picture 2">
+            <a:extLst>
+              <a:ext uri="{FF2B5EF4-FFF2-40B4-BE49-F238E27FC236}">
+                <a16:creationId xmlns:a16="http://schemas.microsoft.com/office/drawing/2014/main" id="{F74D8C50-6E0D-8CB8-917A-37CB5116C196}"/>
+              </a:ext>
+            </a:extLst>
+          </p:cNvPr>
+          <p:cNvPicPr>
+            <a:picLocks noChangeAspect="1"/>
+          </p:cNvPicPr>
+          <p:nvPr/>
+        </p:nvPicPr>
+        <p:blipFill rotWithShape="1">
+          <a:blip r:embed="rId2"/>
+          <a:srcRect t="15350" r="29068" b="8680"/>
+          <a:stretch/>
+        </p:blipFill>
+        <p:spPr>
+          <a:xfrm>
+            <a:off x="609600" y="125361"/>
+            <a:ext cx="10972800" cy="6607277"/>
+          </a:xfrm>
+          <a:prstGeom prst="rect">
+            <a:avLst/>
+          </a:prstGeom>
+        </p:spPr>
+      </p:pic>
     </p:spTree>
     <p:extLst>
       <p:ext uri="{BB962C8B-B14F-4D97-AF65-F5344CB8AC3E}">
